--- a/test/pptx/blanks/just-speaker-notes/templated.pptx
+++ b/test/pptx/blanks/just-speaker-notes/templated.pptx
@@ -5,7 +5,7 @@
     <p:sldMasterId id="2147483648" r:id="rId1"/>
   </p:sldMasterIdLst>
   <p:notesMasterIdLst>
-    <p:NotesMasterId r:id="rId5"/>
+    <p:notesMasterId r:id="rId5"/>
   </p:notesMasterIdLst>
   <p:sldIdLst>
     <p:sldId id="256" r:id="rId2"/>

--- a/test/pptx/blanks/just-speaker-notes/templated.pptx
+++ b/test/pptx/blanks/just-speaker-notes/templated.pptx
@@ -511,87 +511,7 @@
             </a:pPr>
             <a:r>
               <a:rPr/>
-              <a:t>Some</a:t>
-            </a:r>
-            <a:r>
-              <a:rPr/>
-              <a:t> </a:t>
-            </a:r>
-            <a:r>
-              <a:rPr/>
-              <a:t>notes</a:t>
-            </a:r>
-            <a:r>
-              <a:rPr/>
-              <a:t> </a:t>
-            </a:r>
-            <a:r>
-              <a:rPr/>
-              <a:t>here:</a:t>
-            </a:r>
-            <a:r>
-              <a:rPr/>
-              <a:t> </a:t>
-            </a:r>
-            <a:r>
-              <a:rPr/>
-              <a:t>this</a:t>
-            </a:r>
-            <a:r>
-              <a:rPr/>
-              <a:t> </a:t>
-            </a:r>
-            <a:r>
-              <a:rPr/>
-              <a:t>first</a:t>
-            </a:r>
-            <a:r>
-              <a:rPr/>
-              <a:t> </a:t>
-            </a:r>
-            <a:r>
-              <a:rPr/>
-              <a:t>slide</a:t>
-            </a:r>
-            <a:r>
-              <a:rPr/>
-              <a:t> </a:t>
-            </a:r>
-            <a:r>
-              <a:rPr/>
-              <a:t>should</a:t>
-            </a:r>
-            <a:r>
-              <a:rPr/>
-              <a:t> </a:t>
-            </a:r>
-            <a:r>
-              <a:rPr/>
-              <a:t>use</a:t>
-            </a:r>
-            <a:r>
-              <a:rPr/>
-              <a:t> </a:t>
-            </a:r>
-            <a:r>
-              <a:rPr/>
-              <a:t>the</a:t>
-            </a:r>
-            <a:r>
-              <a:rPr/>
-              <a:t> </a:t>
-            </a:r>
-            <a:r>
-              <a:rPr/>
-              <a:t>Blank</a:t>
-            </a:r>
-            <a:r>
-              <a:rPr/>
-              <a:t> </a:t>
-            </a:r>
-            <a:r>
-              <a:rPr/>
-              <a:t>template</a:t>
+              <a:t>Some notes here: this first slide should use the Blank template</a:t>
             </a:r>
           </a:p>
         </p:txBody>
@@ -6261,15 +6181,7 @@
             </a:pPr>
             <a:r>
               <a:rPr/>
-              <a:t>First</a:t>
-            </a:r>
-            <a:r>
-              <a:rPr/>
-              <a:t> </a:t>
-            </a:r>
-            <a:r>
-              <a:rPr/>
-              <a:t>slide</a:t>
+              <a:t>First slide</a:t>
             </a:r>
           </a:p>
         </p:txBody>
@@ -6363,15 +6275,7 @@
             </a:pPr>
             <a:r>
               <a:rPr/>
-              <a:t>Third</a:t>
-            </a:r>
-            <a:r>
-              <a:rPr/>
-              <a:t> </a:t>
-            </a:r>
-            <a:r>
-              <a:rPr/>
-              <a:t>slide</a:t>
+              <a:t>Third slide</a:t>
             </a:r>
           </a:p>
         </p:txBody>

--- a/test/pptx/blanks/just-speaker-notes/templated.pptx
+++ b/test/pptx/blanks/just-speaker-notes/templated.pptx
@@ -511,83 +511,43 @@
             </a:pPr>
             <a:r>
               <a:rPr/>
-              <a:t>Some</a:t>
+              <a:t>Some </a:t>
             </a:r>
             <a:r>
               <a:rPr/>
-              <a:t> </a:t>
+              <a:t>notes </a:t>
             </a:r>
             <a:r>
               <a:rPr/>
-              <a:t>notes</a:t>
+              <a:t>here: </a:t>
             </a:r>
             <a:r>
               <a:rPr/>
-              <a:t> </a:t>
+              <a:t>this </a:t>
             </a:r>
             <a:r>
               <a:rPr/>
-              <a:t>here:</a:t>
+              <a:t>first </a:t>
             </a:r>
             <a:r>
               <a:rPr/>
-              <a:t> </a:t>
+              <a:t>slide </a:t>
             </a:r>
             <a:r>
               <a:rPr/>
-              <a:t>this</a:t>
+              <a:t>should </a:t>
             </a:r>
             <a:r>
               <a:rPr/>
-              <a:t> </a:t>
+              <a:t>use </a:t>
             </a:r>
             <a:r>
               <a:rPr/>
-              <a:t>first</a:t>
+              <a:t>the </a:t>
             </a:r>
             <a:r>
               <a:rPr/>
-              <a:t> </a:t>
-            </a:r>
-            <a:r>
-              <a:rPr/>
-              <a:t>slide</a:t>
-            </a:r>
-            <a:r>
-              <a:rPr/>
-              <a:t> </a:t>
-            </a:r>
-            <a:r>
-              <a:rPr/>
-              <a:t>should</a:t>
-            </a:r>
-            <a:r>
-              <a:rPr/>
-              <a:t> </a:t>
-            </a:r>
-            <a:r>
-              <a:rPr/>
-              <a:t>use</a:t>
-            </a:r>
-            <a:r>
-              <a:rPr/>
-              <a:t> </a:t>
-            </a:r>
-            <a:r>
-              <a:rPr/>
-              <a:t>the</a:t>
-            </a:r>
-            <a:r>
-              <a:rPr/>
-              <a:t> </a:t>
-            </a:r>
-            <a:r>
-              <a:rPr/>
-              <a:t>Blank</a:t>
-            </a:r>
-            <a:r>
-              <a:rPr/>
-              <a:t> </a:t>
+              <a:t>Blank </a:t>
             </a:r>
             <a:r>
               <a:rPr/>
@@ -6261,11 +6221,7 @@
             </a:pPr>
             <a:r>
               <a:rPr/>
-              <a:t>First</a:t>
-            </a:r>
-            <a:r>
-              <a:rPr/>
-              <a:t> </a:t>
+              <a:t>First </a:t>
             </a:r>
             <a:r>
               <a:rPr/>
@@ -6363,11 +6319,7 @@
             </a:pPr>
             <a:r>
               <a:rPr/>
-              <a:t>Third</a:t>
-            </a:r>
-            <a:r>
-              <a:rPr/>
-              <a:t> </a:t>
+              <a:t>Third </a:t>
             </a:r>
             <a:r>
               <a:rPr/>

--- a/test/pptx/blanks/just-speaker-notes/templated.pptx
+++ b/test/pptx/blanks/just-speaker-notes/templated.pptx
@@ -511,43 +511,83 @@
             </a:pPr>
             <a:r>
               <a:rPr/>
-              <a:t>Some </a:t>
+              <a:t>Some</a:t>
             </a:r>
             <a:r>
               <a:rPr/>
-              <a:t>notes </a:t>
+              <a:t> </a:t>
             </a:r>
             <a:r>
               <a:rPr/>
-              <a:t>here: </a:t>
+              <a:t>notes</a:t>
             </a:r>
             <a:r>
               <a:rPr/>
-              <a:t>this </a:t>
+              <a:t> </a:t>
             </a:r>
             <a:r>
               <a:rPr/>
-              <a:t>first </a:t>
+              <a:t>here:</a:t>
             </a:r>
             <a:r>
               <a:rPr/>
-              <a:t>slide </a:t>
+              <a:t> </a:t>
             </a:r>
             <a:r>
               <a:rPr/>
-              <a:t>should </a:t>
+              <a:t>this</a:t>
             </a:r>
             <a:r>
               <a:rPr/>
-              <a:t>use </a:t>
+              <a:t> </a:t>
             </a:r>
             <a:r>
               <a:rPr/>
-              <a:t>the </a:t>
+              <a:t>first</a:t>
             </a:r>
             <a:r>
               <a:rPr/>
-              <a:t>Blank </a:t>
+              <a:t> </a:t>
+            </a:r>
+            <a:r>
+              <a:rPr/>
+              <a:t>slide</a:t>
+            </a:r>
+            <a:r>
+              <a:rPr/>
+              <a:t> </a:t>
+            </a:r>
+            <a:r>
+              <a:rPr/>
+              <a:t>should</a:t>
+            </a:r>
+            <a:r>
+              <a:rPr/>
+              <a:t> </a:t>
+            </a:r>
+            <a:r>
+              <a:rPr/>
+              <a:t>use</a:t>
+            </a:r>
+            <a:r>
+              <a:rPr/>
+              <a:t> </a:t>
+            </a:r>
+            <a:r>
+              <a:rPr/>
+              <a:t>the</a:t>
+            </a:r>
+            <a:r>
+              <a:rPr/>
+              <a:t> </a:t>
+            </a:r>
+            <a:r>
+              <a:rPr/>
+              <a:t>Blank</a:t>
+            </a:r>
+            <a:r>
+              <a:rPr/>
+              <a:t> </a:t>
             </a:r>
             <a:r>
               <a:rPr/>
@@ -6221,7 +6261,11 @@
             </a:pPr>
             <a:r>
               <a:rPr/>
-              <a:t>First </a:t>
+              <a:t>First</a:t>
+            </a:r>
+            <a:r>
+              <a:rPr/>
+              <a:t> </a:t>
             </a:r>
             <a:r>
               <a:rPr/>
@@ -6319,7 +6363,11 @@
             </a:pPr>
             <a:r>
               <a:rPr/>
-              <a:t>Third </a:t>
+              <a:t>Third</a:t>
+            </a:r>
+            <a:r>
+              <a:rPr/>
+              <a:t> </a:t>
             </a:r>
             <a:r>
               <a:rPr/>

--- a/test/pptx/blanks/just-speaker-notes/templated.pptx
+++ b/test/pptx/blanks/just-speaker-notes/templated.pptx
@@ -194,7 +194,7 @@
           <a:p>
             <a:fld id="{0F9C1CCF-B725-44A7-AA57-5E433BD85C9F}" type="datetimeFigureOut">
               <a:rPr lang="en-US" smtClean="0"/>
-              <a:t>4/5/2019</a:t>
+              <a:t>1/2/22</a:t>
             </a:fld>
             <a:endParaRPr lang="en-US"/>
           </a:p>
@@ -212,8 +212,8 @@
         </p:nvSpPr>
         <p:spPr>
           <a:xfrm>
-            <a:off x="1371600" y="1143000"/>
-            <a:ext cx="4114800" cy="3086100"/>
+            <a:off x="685800" y="1143000"/>
+            <a:ext cx="5486400" cy="3086100"/>
           </a:xfrm>
           <a:prstGeom prst="rect">
             <a:avLst/>
@@ -258,38 +258,37 @@
           <a:p>
             <a:pPr lvl="0"/>
             <a:r>
-              <a:rPr lang="en-US" smtClean="0"/>
+              <a:rPr lang="en-US"/>
               <a:t>Click to edit Master text styles</a:t>
             </a:r>
           </a:p>
           <a:p>
             <a:pPr lvl="1"/>
             <a:r>
-              <a:rPr lang="en-US" smtClean="0"/>
+              <a:rPr lang="en-US"/>
               <a:t>Second level</a:t>
             </a:r>
           </a:p>
           <a:p>
             <a:pPr lvl="2"/>
             <a:r>
-              <a:rPr lang="en-US" smtClean="0"/>
+              <a:rPr lang="en-US"/>
               <a:t>Third level</a:t>
             </a:r>
           </a:p>
           <a:p>
             <a:pPr lvl="3"/>
             <a:r>
-              <a:rPr lang="en-US" smtClean="0"/>
+              <a:rPr lang="en-US"/>
               <a:t>Fourth level</a:t>
             </a:r>
           </a:p>
           <a:p>
             <a:pPr lvl="4"/>
             <a:r>
-              <a:rPr lang="en-US" smtClean="0"/>
+              <a:rPr lang="en-US"/>
               <a:t>Fifth level</a:t>
             </a:r>
-            <a:endParaRPr lang="en-US"/>
           </a:p>
         </p:txBody>
       </p:sp>
@@ -506,7 +505,7 @@
           <a:bodyPr/>
           <a:lstStyle/>
           <a:p>
-            <a:pPr lvl="0" marL="0" indent="0">
+            <a:pPr lvl="0" indent="0" marL="0">
               <a:buNone/>
             </a:pPr>
             <a:r>
@@ -6176,7 +6175,7 @@
           <a:bodyPr/>
           <a:lstStyle/>
           <a:p>
-            <a:pPr lvl="0" marL="0" indent="0">
+            <a:pPr lvl="0" indent="0" marL="0">
               <a:buNone/>
             </a:pPr>
             <a:r>
@@ -6201,7 +6200,7 @@
           <a:bodyPr/>
           <a:lstStyle/>
           <a:p>
-            <a:pPr lvl="0" marL="0" indent="0">
+            <a:pPr lvl="0" indent="0" marL="0">
               <a:buNone/>
             </a:pPr>
             <a:r>
@@ -6270,7 +6269,7 @@
           <a:bodyPr/>
           <a:lstStyle/>
           <a:p>
-            <a:pPr lvl="0" marL="0" indent="0">
+            <a:pPr lvl="0" indent="0" marL="0">
               <a:buNone/>
             </a:pPr>
             <a:r>
@@ -6295,7 +6294,7 @@
           <a:bodyPr/>
           <a:lstStyle/>
           <a:p>
-            <a:pPr lvl="0" marL="0" indent="0">
+            <a:pPr lvl="0" indent="0" marL="0">
               <a:buNone/>
             </a:pPr>
             <a:r>
